--- a/Prezentace/Maturita/2025/13 strukturované příkazy.pptx
+++ b/Prezentace/Maturita/2025/13 strukturované příkazy.pptx
@@ -5,7 +5,7 @@
     <p:sldMasterId id="2147483952" r:id="rId1"/>
   </p:sldMasterIdLst>
   <p:notesMasterIdLst>
-    <p:notesMasterId r:id="rId9"/>
+    <p:notesMasterId r:id="rId8"/>
   </p:notesMasterIdLst>
   <p:sldIdLst>
     <p:sldId id="256" r:id="rId2"/>
@@ -14,7 +14,6 @@
     <p:sldId id="259" r:id="rId5"/>
     <p:sldId id="260" r:id="rId6"/>
     <p:sldId id="261" r:id="rId7"/>
-    <p:sldId id="262" r:id="rId8"/>
   </p:sldIdLst>
   <p:sldSz cx="12192000" cy="6858000"/>
   <p:notesSz cx="6858000" cy="9144000"/>
@@ -203,7 +202,7 @@
           <a:p>
             <a:fld id="{0F4CBD7E-8EC4-40D0-831C-FC6BF586B823}" type="datetimeFigureOut">
               <a:rPr lang="cs-CZ" smtClean="0"/>
-              <a:t>27.01.2025</a:t>
+              <a:t>10.02.2025</a:t>
             </a:fld>
             <a:endParaRPr lang="cs-CZ"/>
           </a:p>
@@ -1276,7 +1275,7 @@
           <a:p>
             <a:fld id="{CCDA23A1-6BD0-48D8-A1FE-BC95074C88FA}" type="datetimeFigureOut">
               <a:rPr lang="cs-CZ" smtClean="0"/>
-              <a:t>27.01.2025</a:t>
+              <a:t>10.02.2025</a:t>
             </a:fld>
             <a:endParaRPr lang="cs-CZ"/>
           </a:p>
@@ -1527,7 +1526,7 @@
           <a:p>
             <a:fld id="{CCDA23A1-6BD0-48D8-A1FE-BC95074C88FA}" type="datetimeFigureOut">
               <a:rPr lang="cs-CZ" smtClean="0"/>
-              <a:t>27.01.2025</a:t>
+              <a:t>10.02.2025</a:t>
             </a:fld>
             <a:endParaRPr lang="cs-CZ"/>
           </a:p>
@@ -1841,7 +1840,7 @@
           <a:p>
             <a:fld id="{CCDA23A1-6BD0-48D8-A1FE-BC95074C88FA}" type="datetimeFigureOut">
               <a:rPr lang="cs-CZ" smtClean="0"/>
-              <a:t>27.01.2025</a:t>
+              <a:t>10.02.2025</a:t>
             </a:fld>
             <a:endParaRPr lang="cs-CZ"/>
           </a:p>
@@ -2182,7 +2181,7 @@
           <a:p>
             <a:fld id="{CCDA23A1-6BD0-48D8-A1FE-BC95074C88FA}" type="datetimeFigureOut">
               <a:rPr lang="cs-CZ" smtClean="0"/>
-              <a:t>27.01.2025</a:t>
+              <a:t>10.02.2025</a:t>
             </a:fld>
             <a:endParaRPr lang="cs-CZ"/>
           </a:p>
@@ -2496,7 +2495,7 @@
           <a:p>
             <a:fld id="{CCDA23A1-6BD0-48D8-A1FE-BC95074C88FA}" type="datetimeFigureOut">
               <a:rPr lang="cs-CZ" smtClean="0"/>
-              <a:t>27.01.2025</a:t>
+              <a:t>10.02.2025</a:t>
             </a:fld>
             <a:endParaRPr lang="cs-CZ"/>
           </a:p>
@@ -2889,7 +2888,7 @@
           <a:p>
             <a:fld id="{CCDA23A1-6BD0-48D8-A1FE-BC95074C88FA}" type="datetimeFigureOut">
               <a:rPr lang="cs-CZ" smtClean="0"/>
-              <a:t>27.01.2025</a:t>
+              <a:t>10.02.2025</a:t>
             </a:fld>
             <a:endParaRPr lang="cs-CZ"/>
           </a:p>
@@ -3059,7 +3058,7 @@
           <a:p>
             <a:fld id="{CCDA23A1-6BD0-48D8-A1FE-BC95074C88FA}" type="datetimeFigureOut">
               <a:rPr lang="cs-CZ" smtClean="0"/>
-              <a:t>27.01.2025</a:t>
+              <a:t>10.02.2025</a:t>
             </a:fld>
             <a:endParaRPr lang="cs-CZ"/>
           </a:p>
@@ -3239,7 +3238,7 @@
           <a:p>
             <a:fld id="{CCDA23A1-6BD0-48D8-A1FE-BC95074C88FA}" type="datetimeFigureOut">
               <a:rPr lang="cs-CZ" smtClean="0"/>
-              <a:t>27.01.2025</a:t>
+              <a:t>10.02.2025</a:t>
             </a:fld>
             <a:endParaRPr lang="cs-CZ"/>
           </a:p>
@@ -3415,7 +3414,7 @@
           <a:p>
             <a:fld id="{CCDA23A1-6BD0-48D8-A1FE-BC95074C88FA}" type="datetimeFigureOut">
               <a:rPr lang="cs-CZ" smtClean="0"/>
-              <a:t>27.01.2025</a:t>
+              <a:t>10.02.2025</a:t>
             </a:fld>
             <a:endParaRPr lang="cs-CZ"/>
           </a:p>
@@ -3662,7 +3661,7 @@
           <a:p>
             <a:fld id="{CCDA23A1-6BD0-48D8-A1FE-BC95074C88FA}" type="datetimeFigureOut">
               <a:rPr lang="cs-CZ" smtClean="0"/>
-              <a:t>27.01.2025</a:t>
+              <a:t>10.02.2025</a:t>
             </a:fld>
             <a:endParaRPr lang="cs-CZ"/>
           </a:p>
@@ -3894,7 +3893,7 @@
           <a:p>
             <a:fld id="{CCDA23A1-6BD0-48D8-A1FE-BC95074C88FA}" type="datetimeFigureOut">
               <a:rPr lang="cs-CZ" smtClean="0"/>
-              <a:t>27.01.2025</a:t>
+              <a:t>10.02.2025</a:t>
             </a:fld>
             <a:endParaRPr lang="cs-CZ"/>
           </a:p>
@@ -4268,7 +4267,7 @@
           <a:p>
             <a:fld id="{CCDA23A1-6BD0-48D8-A1FE-BC95074C88FA}" type="datetimeFigureOut">
               <a:rPr lang="cs-CZ" smtClean="0"/>
-              <a:t>27.01.2025</a:t>
+              <a:t>10.02.2025</a:t>
             </a:fld>
             <a:endParaRPr lang="cs-CZ"/>
           </a:p>
@@ -4391,7 +4390,7 @@
           <a:p>
             <a:fld id="{CCDA23A1-6BD0-48D8-A1FE-BC95074C88FA}" type="datetimeFigureOut">
               <a:rPr lang="cs-CZ" smtClean="0"/>
-              <a:t>27.01.2025</a:t>
+              <a:t>10.02.2025</a:t>
             </a:fld>
             <a:endParaRPr lang="cs-CZ"/>
           </a:p>
@@ -4486,7 +4485,7 @@
           <a:p>
             <a:fld id="{CCDA23A1-6BD0-48D8-A1FE-BC95074C88FA}" type="datetimeFigureOut">
               <a:rPr lang="cs-CZ" smtClean="0"/>
-              <a:t>27.01.2025</a:t>
+              <a:t>10.02.2025</a:t>
             </a:fld>
             <a:endParaRPr lang="cs-CZ"/>
           </a:p>
@@ -4741,7 +4740,7 @@
           <a:p>
             <a:fld id="{CCDA23A1-6BD0-48D8-A1FE-BC95074C88FA}" type="datetimeFigureOut">
               <a:rPr lang="cs-CZ" smtClean="0"/>
-              <a:t>27.01.2025</a:t>
+              <a:t>10.02.2025</a:t>
             </a:fld>
             <a:endParaRPr lang="cs-CZ"/>
           </a:p>
@@ -5004,7 +5003,7 @@
           <a:p>
             <a:fld id="{CCDA23A1-6BD0-48D8-A1FE-BC95074C88FA}" type="datetimeFigureOut">
               <a:rPr lang="cs-CZ" smtClean="0"/>
-              <a:t>27.01.2025</a:t>
+              <a:t>10.02.2025</a:t>
             </a:fld>
             <a:endParaRPr lang="cs-CZ"/>
           </a:p>
@@ -5747,7 +5746,7 @@
           <a:p>
             <a:fld id="{CCDA23A1-6BD0-48D8-A1FE-BC95074C88FA}" type="datetimeFigureOut">
               <a:rPr lang="cs-CZ" smtClean="0"/>
-              <a:t>27.01.2025</a:t>
+              <a:t>10.02.2025</a:t>
             </a:fld>
             <a:endParaRPr lang="cs-CZ"/>
           </a:p>
@@ -6417,7 +6416,7 @@
           <a:p>
             <a:r>
               <a:rPr lang="cs-CZ" sz="1600" dirty="0"/>
-              <a:t>Soubor</a:t>
+              <a:t>Kombinace strukturovaných příkazů</a:t>
             </a:r>
           </a:p>
         </p:txBody>
@@ -7272,7 +7271,7 @@
           <p:cNvPr id="2" name="Nadpis 1">
             <a:extLst>
               <a:ext uri="{FF2B5EF4-FFF2-40B4-BE49-F238E27FC236}">
-                <a16:creationId xmlns:a16="http://schemas.microsoft.com/office/drawing/2014/main" id="{B255C2CE-9C31-172D-F845-9F79119A01AB}"/>
+                <a16:creationId xmlns:a16="http://schemas.microsoft.com/office/drawing/2014/main" id="{2ED28879-E839-CA90-959D-C6583BC974EB}"/>
               </a:ext>
             </a:extLst>
           </p:cNvPr>
@@ -7290,7 +7289,7 @@
           <a:p>
             <a:r>
               <a:rPr lang="cs-CZ" dirty="0"/>
-              <a:t>Práce se souborem</a:t>
+              <a:t>Vnořené podmínky</a:t>
             </a:r>
           </a:p>
         </p:txBody>
@@ -7300,7 +7299,7 @@
           <p:cNvPr id="3" name="Zástupný obsah 2">
             <a:extLst>
               <a:ext uri="{FF2B5EF4-FFF2-40B4-BE49-F238E27FC236}">
-                <a16:creationId xmlns:a16="http://schemas.microsoft.com/office/drawing/2014/main" id="{08D74CB0-3BC7-72E9-28C2-4CBC1D8B7949}"/>
+                <a16:creationId xmlns:a16="http://schemas.microsoft.com/office/drawing/2014/main" id="{5A100A38-04FD-4DE7-8F42-1CEFB88C30E0}"/>
               </a:ext>
             </a:extLst>
           </p:cNvPr>
@@ -7317,58 +7316,71 @@
           <a:lstStyle/>
           <a:p>
             <a:r>
-              <a:rPr lang="cs-CZ" dirty="0"/>
-              <a:t>Knihovna System.IO</a:t>
-            </a:r>
-          </a:p>
-          <a:p>
-            <a:r>
-              <a:rPr lang="cs-CZ" dirty="0"/>
-              <a:t>Pro práci se souborem využíváme STREAM (datový proud)</a:t>
-            </a:r>
-          </a:p>
-          <a:p>
-            <a:r>
-              <a:rPr lang="cs-CZ" dirty="0"/>
-              <a:t>Na základě typu souboru využíváme konkrétní třídu streamu</a:t>
-            </a:r>
-          </a:p>
-          <a:p>
-            <a:endParaRPr lang="cs-CZ" dirty="0"/>
-          </a:p>
-          <a:p>
-            <a:r>
-              <a:rPr lang="cs-CZ" dirty="0"/>
-              <a:t>Postup práce se souborem</a:t>
-            </a:r>
-          </a:p>
-          <a:p>
-            <a:pPr lvl="1"/>
-            <a:r>
-              <a:rPr lang="cs-CZ" dirty="0"/>
-              <a:t>Vytvoření streamu pro čtení nebo zápis</a:t>
-            </a:r>
-          </a:p>
-          <a:p>
-            <a:pPr lvl="1"/>
-            <a:r>
-              <a:rPr lang="cs-CZ" dirty="0"/>
-              <a:t>Práce se souborem</a:t>
-            </a:r>
-          </a:p>
-          <a:p>
-            <a:pPr lvl="1"/>
-            <a:r>
-              <a:rPr lang="cs-CZ" dirty="0"/>
-              <a:t>Uzavření streamu</a:t>
-            </a:r>
-          </a:p>
-        </p:txBody>
-      </p:sp>
+              <a:rPr lang="cs-CZ"/>
+              <a:t>Detailnější podmínky – pokud nechceme využít logických operátorů</a:t>
+            </a:r>
+          </a:p>
+          <a:p>
+            <a:r>
+              <a:rPr lang="cs-CZ"/>
+              <a:t>Nevýhodou je klesající čitelnost dle hloubky zanoření podmínek</a:t>
+            </a:r>
+          </a:p>
+          <a:p>
+            <a:r>
+              <a:rPr lang="cs-CZ"/>
+              <a:t>Alternativně lze využít </a:t>
+            </a:r>
+            <a:r>
+              <a:rPr lang="cs-CZ" b="1" i="1"/>
+              <a:t>else if </a:t>
+            </a:r>
+            <a:r>
+              <a:rPr lang="cs-CZ"/>
+              <a:t>nebo konstrukci </a:t>
+            </a:r>
+            <a:r>
+              <a:rPr lang="cs-CZ" b="1" i="1"/>
+              <a:t>switch</a:t>
+            </a:r>
+            <a:endParaRPr lang="cs-CZ" b="1" i="1" dirty="0"/>
+          </a:p>
+        </p:txBody>
+      </p:sp>
+      <p:pic>
+        <p:nvPicPr>
+          <p:cNvPr id="5" name="Obrázek 4">
+            <a:extLst>
+              <a:ext uri="{FF2B5EF4-FFF2-40B4-BE49-F238E27FC236}">
+                <a16:creationId xmlns:a16="http://schemas.microsoft.com/office/drawing/2014/main" id="{B0DD5658-5A16-4006-7599-240E91DFE8FB}"/>
+              </a:ext>
+            </a:extLst>
+          </p:cNvPr>
+          <p:cNvPicPr>
+            <a:picLocks noChangeAspect="1"/>
+          </p:cNvPicPr>
+          <p:nvPr/>
+        </p:nvPicPr>
+        <p:blipFill>
+          <a:blip r:embed="rId2"/>
+          <a:stretch>
+            <a:fillRect/>
+          </a:stretch>
+        </p:blipFill>
+        <p:spPr>
+          <a:xfrm>
+            <a:off x="1603314" y="3599848"/>
+            <a:ext cx="6744708" cy="3012200"/>
+          </a:xfrm>
+          <a:prstGeom prst="rect">
+            <a:avLst/>
+          </a:prstGeom>
+        </p:spPr>
+      </p:pic>
     </p:spTree>
     <p:extLst>
       <p:ext uri="{BB962C8B-B14F-4D97-AF65-F5344CB8AC3E}">
-        <p14:creationId xmlns:p14="http://schemas.microsoft.com/office/powerpoint/2010/main" val="2876871635"/>
+        <p14:creationId xmlns:p14="http://schemas.microsoft.com/office/powerpoint/2010/main" val="2688971057"/>
       </p:ext>
     </p:extLst>
   </p:cSld>
@@ -7400,7 +7412,7 @@
           <p:cNvPr id="2" name="Nadpis 1">
             <a:extLst>
               <a:ext uri="{FF2B5EF4-FFF2-40B4-BE49-F238E27FC236}">
-                <a16:creationId xmlns:a16="http://schemas.microsoft.com/office/drawing/2014/main" id="{7E49BBA8-E758-8C03-4310-54313723E5B1}"/>
+                <a16:creationId xmlns:a16="http://schemas.microsoft.com/office/drawing/2014/main" id="{4169C4A7-9A50-E5B1-8D31-7285E215A9FD}"/>
               </a:ext>
             </a:extLst>
           </p:cNvPr>
@@ -7418,13 +7430,8 @@
           <a:p>
             <a:r>
               <a:rPr lang="cs-CZ" dirty="0"/>
-              <a:t>Třída </a:t>
-            </a:r>
-            <a:r>
-              <a:rPr lang="cs-CZ" dirty="0" err="1"/>
-              <a:t>File</a:t>
-            </a:r>
-            <a:endParaRPr lang="cs-CZ" dirty="0"/>
+              <a:t>Vnořené cykly</a:t>
+            </a:r>
           </a:p>
         </p:txBody>
       </p:sp>
@@ -7433,7 +7440,7 @@
           <p:cNvPr id="3" name="Zástupný obsah 2">
             <a:extLst>
               <a:ext uri="{FF2B5EF4-FFF2-40B4-BE49-F238E27FC236}">
-                <a16:creationId xmlns:a16="http://schemas.microsoft.com/office/drawing/2014/main" id="{3CCC5CFD-5D73-9280-AF48-3B5FCAACABB9}"/>
+                <a16:creationId xmlns:a16="http://schemas.microsoft.com/office/drawing/2014/main" id="{90F471CC-66D2-F53A-8BD1-2C8DDEB0121F}"/>
               </a:ext>
             </a:extLst>
           </p:cNvPr>
@@ -7451,54 +7458,72 @@
           <a:p>
             <a:r>
               <a:rPr lang="cs-CZ" dirty="0"/>
-              <a:t>Statická třída pro práci se souborem</a:t>
+              <a:t>Nejčastěji využíváme v případech práce s vícerozměrnými datovými strukturami</a:t>
             </a:r>
           </a:p>
           <a:p>
             <a:r>
               <a:rPr lang="cs-CZ" dirty="0"/>
-              <a:t>Třída umožňuje čtená a zápis pro binární i textové soubory</a:t>
-            </a:r>
-          </a:p>
-          <a:p>
+              <a:t>K optimalizaci průchodu (například při vyhledávání) lze využít</a:t>
+            </a:r>
+            <a:r>
+              <a:rPr lang="cs-CZ" b="1" i="1" dirty="0"/>
+              <a:t> </a:t>
+            </a:r>
+            <a:r>
+              <a:rPr lang="cs-CZ" b="1" i="1" dirty="0" err="1"/>
+              <a:t>break</a:t>
+            </a:r>
+            <a:r>
+              <a:rPr lang="cs-CZ" b="1" i="1" dirty="0"/>
+              <a:t> </a:t>
+            </a:r>
             <a:r>
               <a:rPr lang="cs-CZ" dirty="0"/>
-              <a:t>Rovněž umožňuje soubor</a:t>
-            </a:r>
-          </a:p>
-          <a:p>
-            <a:pPr lvl="1"/>
-            <a:r>
-              <a:rPr lang="cs-CZ" dirty="0"/>
-              <a:t>Mazat</a:t>
-            </a:r>
-          </a:p>
-          <a:p>
-            <a:pPr lvl="1"/>
-            <a:r>
-              <a:rPr lang="cs-CZ" dirty="0"/>
-              <a:t>Kopírovat</a:t>
-            </a:r>
-          </a:p>
-          <a:p>
-            <a:pPr lvl="1"/>
-            <a:r>
-              <a:rPr lang="cs-CZ" dirty="0"/>
-              <a:t>Zjistit jeho existenci</a:t>
-            </a:r>
-          </a:p>
-          <a:p>
-            <a:r>
-              <a:rPr lang="cs-CZ" dirty="0"/>
-              <a:t>Pro práci s touto třídou není třeba vytvářet datový proud</a:t>
-            </a:r>
-          </a:p>
-        </p:txBody>
-      </p:sp>
+              <a:t>a </a:t>
+            </a:r>
+            <a:r>
+              <a:rPr lang="cs-CZ" b="1" i="1" dirty="0" err="1"/>
+              <a:t>continue</a:t>
+            </a:r>
+            <a:endParaRPr lang="cs-CZ" b="1" i="1" dirty="0"/>
+          </a:p>
+        </p:txBody>
+      </p:sp>
+      <p:pic>
+        <p:nvPicPr>
+          <p:cNvPr id="5" name="Obrázek 4">
+            <a:extLst>
+              <a:ext uri="{FF2B5EF4-FFF2-40B4-BE49-F238E27FC236}">
+                <a16:creationId xmlns:a16="http://schemas.microsoft.com/office/drawing/2014/main" id="{3E2165B7-A3C7-CED3-15CB-1AD28A5B4D7B}"/>
+              </a:ext>
+            </a:extLst>
+          </p:cNvPr>
+          <p:cNvPicPr>
+            <a:picLocks noChangeAspect="1"/>
+          </p:cNvPicPr>
+          <p:nvPr/>
+        </p:nvPicPr>
+        <p:blipFill>
+          <a:blip r:embed="rId2"/>
+          <a:stretch>
+            <a:fillRect/>
+          </a:stretch>
+        </p:blipFill>
+        <p:spPr>
+          <a:xfrm>
+            <a:off x="1670493" y="4036004"/>
+            <a:ext cx="6610350" cy="1857375"/>
+          </a:xfrm>
+          <a:prstGeom prst="rect">
+            <a:avLst/>
+          </a:prstGeom>
+        </p:spPr>
+      </p:pic>
     </p:spTree>
     <p:extLst>
       <p:ext uri="{BB962C8B-B14F-4D97-AF65-F5344CB8AC3E}">
-        <p14:creationId xmlns:p14="http://schemas.microsoft.com/office/powerpoint/2010/main" val="3182703390"/>
+        <p14:creationId xmlns:p14="http://schemas.microsoft.com/office/powerpoint/2010/main" val="2803772765"/>
       </p:ext>
     </p:extLst>
   </p:cSld>
@@ -7530,7 +7555,7 @@
           <p:cNvPr id="2" name="Nadpis 1">
             <a:extLst>
               <a:ext uri="{FF2B5EF4-FFF2-40B4-BE49-F238E27FC236}">
-                <a16:creationId xmlns:a16="http://schemas.microsoft.com/office/drawing/2014/main" id="{4A0D1AD2-000C-E637-23EC-80C45E99B246}"/>
+                <a16:creationId xmlns:a16="http://schemas.microsoft.com/office/drawing/2014/main" id="{0F09D36A-4325-0CBD-B7F6-23B8CAB474F4}"/>
               </a:ext>
             </a:extLst>
           </p:cNvPr>
@@ -7548,7 +7573,7 @@
           <a:p>
             <a:r>
               <a:rPr lang="cs-CZ" dirty="0"/>
-              <a:t>Typy souborů</a:t>
+              <a:t>Větvení v cyklu</a:t>
             </a:r>
           </a:p>
         </p:txBody>
@@ -7558,7 +7583,7 @@
           <p:cNvPr id="3" name="Zástupný obsah 2">
             <a:extLst>
               <a:ext uri="{FF2B5EF4-FFF2-40B4-BE49-F238E27FC236}">
-                <a16:creationId xmlns:a16="http://schemas.microsoft.com/office/drawing/2014/main" id="{D8C68E07-D51E-BDD0-4D1F-5BE1EDC11D5B}"/>
+                <a16:creationId xmlns:a16="http://schemas.microsoft.com/office/drawing/2014/main" id="{EF3AEFFD-B373-1565-A464-2720E3EB473B}"/>
               </a:ext>
             </a:extLst>
           </p:cNvPr>
@@ -7576,117 +7601,64 @@
           <a:p>
             <a:r>
               <a:rPr lang="cs-CZ" dirty="0"/>
-              <a:t>Binární soubory</a:t>
-            </a:r>
-          </a:p>
-          <a:p>
-            <a:pPr lvl="1"/>
+              <a:t>Ideální pro filtraci nebo vyhledávání v datovém souboru na základě podmínky</a:t>
+            </a:r>
+          </a:p>
+          <a:p>
             <a:r>
               <a:rPr lang="cs-CZ" dirty="0"/>
-              <a:t>Veřejné (.</a:t>
-            </a:r>
-            <a:r>
-              <a:rPr lang="cs-CZ" dirty="0" err="1"/>
-              <a:t>png</a:t>
+              <a:t>Vhodné využít k modifikaci a optimalizaci </a:t>
+            </a:r>
+            <a:r>
+              <a:rPr lang="cs-CZ" b="1" i="1" dirty="0" err="1"/>
+              <a:t>break</a:t>
             </a:r>
             <a:r>
               <a:rPr lang="cs-CZ" dirty="0"/>
-              <a:t>, .</a:t>
-            </a:r>
-            <a:r>
-              <a:rPr lang="cs-CZ" dirty="0" err="1"/>
-              <a:t>jpg</a:t>
-            </a:r>
-            <a:r>
-              <a:rPr lang="cs-CZ" dirty="0"/>
-              <a:t>, …)</a:t>
-            </a:r>
-          </a:p>
-          <a:p>
-            <a:pPr lvl="1"/>
-            <a:r>
-              <a:rPr lang="cs-CZ" dirty="0"/>
-              <a:t>Proprietární (.</a:t>
-            </a:r>
-            <a:r>
-              <a:rPr lang="cs-CZ" dirty="0" err="1"/>
-              <a:t>dockx</a:t>
-            </a:r>
-            <a:r>
-              <a:rPr lang="cs-CZ" dirty="0"/>
-              <a:t>, …)</a:t>
-            </a:r>
-          </a:p>
-          <a:p>
-            <a:r>
-              <a:rPr lang="cs-CZ" dirty="0"/>
-              <a:t>Textové soubory</a:t>
-            </a:r>
-          </a:p>
-          <a:p>
-            <a:pPr lvl="1"/>
-            <a:r>
-              <a:rPr lang="cs-CZ" dirty="0"/>
-              <a:t>Strukturované (.</a:t>
-            </a:r>
-            <a:r>
-              <a:rPr lang="cs-CZ" dirty="0" err="1"/>
-              <a:t>csv</a:t>
-            </a:r>
-            <a:r>
-              <a:rPr lang="cs-CZ" dirty="0"/>
-              <a:t>, .</a:t>
-            </a:r>
-            <a:r>
-              <a:rPr lang="cs-CZ" dirty="0" err="1"/>
-              <a:t>xml</a:t>
-            </a:r>
-            <a:r>
-              <a:rPr lang="cs-CZ" dirty="0"/>
-              <a:t>, …)</a:t>
-            </a:r>
-          </a:p>
-          <a:p>
-            <a:pPr lvl="1"/>
-            <a:r>
-              <a:rPr lang="cs-CZ" dirty="0"/>
-              <a:t>Nestrukturované (.</a:t>
-            </a:r>
-            <a:r>
-              <a:rPr lang="cs-CZ" dirty="0" err="1"/>
-              <a:t>txt</a:t>
-            </a:r>
-            <a:r>
-              <a:rPr lang="cs-CZ" dirty="0"/>
-              <a:t>)</a:t>
-            </a:r>
-          </a:p>
-          <a:p>
-            <a:endParaRPr lang="cs-CZ" dirty="0"/>
-          </a:p>
-          <a:p>
-            <a:r>
-              <a:rPr lang="cs-CZ" dirty="0"/>
-              <a:t>K souborům přistupujeme skrze cestu (</a:t>
-            </a:r>
-            <a:r>
-              <a:rPr lang="cs-CZ" dirty="0" err="1"/>
-              <a:t>path</a:t>
-            </a:r>
-            <a:r>
-              <a:rPr lang="cs-CZ" dirty="0"/>
-              <a:t>) v textové podobě</a:t>
-            </a:r>
-          </a:p>
-          <a:p>
-            <a:endParaRPr lang="cs-CZ" dirty="0"/>
-          </a:p>
-        </p:txBody>
-      </p:sp>
+              <a:t> a </a:t>
+            </a:r>
+            <a:r>
+              <a:rPr lang="cs-CZ" b="1" i="1" dirty="0" err="1"/>
+              <a:t>continue</a:t>
+            </a:r>
+            <a:endParaRPr lang="cs-CZ" b="1" i="1" dirty="0"/>
+          </a:p>
+        </p:txBody>
+      </p:sp>
+      <p:pic>
+        <p:nvPicPr>
+          <p:cNvPr id="5" name="Obrázek 4">
+            <a:extLst>
+              <a:ext uri="{FF2B5EF4-FFF2-40B4-BE49-F238E27FC236}">
+                <a16:creationId xmlns:a16="http://schemas.microsoft.com/office/drawing/2014/main" id="{77F63DD4-A356-3B24-22B2-5C7CACFF8697}"/>
+              </a:ext>
+            </a:extLst>
+          </p:cNvPr>
+          <p:cNvPicPr>
+            <a:picLocks noChangeAspect="1"/>
+          </p:cNvPicPr>
+          <p:nvPr/>
+        </p:nvPicPr>
+        <p:blipFill>
+          <a:blip r:embed="rId2"/>
+          <a:stretch>
+            <a:fillRect/>
+          </a:stretch>
+        </p:blipFill>
+        <p:spPr>
+          <a:xfrm>
+            <a:off x="1227580" y="3660112"/>
+            <a:ext cx="7496175" cy="2381250"/>
+          </a:xfrm>
+          <a:prstGeom prst="rect">
+            <a:avLst/>
+          </a:prstGeom>
+        </p:spPr>
+      </p:pic>
     </p:spTree>
     <p:extLst>
       <p:ext uri="{BB962C8B-B14F-4D97-AF65-F5344CB8AC3E}">
-        <p14:creationId xmlns:p14="http://schemas.microsoft.com/office/powerpoint/2010/main" val="1496844050"/>
+        <p14:creationId xmlns:p14="http://schemas.microsoft.com/office/powerpoint/2010/main" val="892773147"/>
       </p:ext>
     </p:extLst>
   </p:cSld>
@@ -7718,7 +7690,7 @@
           <p:cNvPr id="2" name="Nadpis 1">
             <a:extLst>
               <a:ext uri="{FF2B5EF4-FFF2-40B4-BE49-F238E27FC236}">
-                <a16:creationId xmlns:a16="http://schemas.microsoft.com/office/drawing/2014/main" id="{8F56E141-F637-375F-55DF-C44E029F90BA}"/>
+                <a16:creationId xmlns:a16="http://schemas.microsoft.com/office/drawing/2014/main" id="{46AC71CA-5E94-A5C0-EC76-A82C97949BA8}"/>
               </a:ext>
             </a:extLst>
           </p:cNvPr>
@@ -7735,10 +7707,9 @@
           <a:lstStyle/>
           <a:p>
             <a:r>
-              <a:rPr lang="cs-CZ" dirty="0" err="1"/>
-              <a:t>FileStream</a:t>
-            </a:r>
-            <a:endParaRPr lang="cs-CZ" dirty="0"/>
+              <a:rPr lang="cs-CZ" dirty="0"/>
+              <a:t>Cyklus uvnitř větvení</a:t>
+            </a:r>
           </a:p>
         </p:txBody>
       </p:sp>
@@ -7747,7 +7718,7 @@
           <p:cNvPr id="3" name="Zástupný obsah 2">
             <a:extLst>
               <a:ext uri="{FF2B5EF4-FFF2-40B4-BE49-F238E27FC236}">
-                <a16:creationId xmlns:a16="http://schemas.microsoft.com/office/drawing/2014/main" id="{088DEF64-1E1C-EA73-B66C-4D1009B09B57}"/>
+                <a16:creationId xmlns:a16="http://schemas.microsoft.com/office/drawing/2014/main" id="{AA331CBD-015F-2273-3336-18BC09746184}"/>
               </a:ext>
             </a:extLst>
           </p:cNvPr>
@@ -7765,48 +7736,14 @@
           <a:p>
             <a:r>
               <a:rPr lang="cs-CZ" dirty="0"/>
-              <a:t>Třída pro práci s binárními soubory</a:t>
+              <a:t>Typicky se setkáme v případě, kdy podmínka rozhoduje, zda se má cyklus spustit</a:t>
             </a:r>
           </a:p>
           <a:p>
             <a:r>
               <a:rPr lang="cs-CZ" dirty="0"/>
-              <a:t>Při čtení i zápisu se data převádí na bloky bytů</a:t>
-            </a:r>
-          </a:p>
-          <a:p>
-            <a:r>
-              <a:rPr lang="cs-CZ" dirty="0"/>
-              <a:t>Pro zápis existuje pouze funkce </a:t>
-            </a:r>
-            <a:r>
-              <a:rPr lang="cs-CZ" dirty="0" err="1"/>
-              <a:t>Write</a:t>
-            </a:r>
-            <a:endParaRPr lang="cs-CZ" dirty="0"/>
-          </a:p>
-          <a:p>
-            <a:r>
-              <a:rPr lang="cs-CZ" dirty="0"/>
-              <a:t>Při zápisu i čtení je třeba myslet na použité kódování</a:t>
-            </a:r>
-          </a:p>
-          <a:p>
-            <a:r>
-              <a:rPr lang="cs-CZ" dirty="0"/>
-              <a:t>Pomocí funkce </a:t>
-            </a:r>
-            <a:r>
-              <a:rPr lang="cs-CZ" dirty="0" err="1"/>
-              <a:t>GetBytes</a:t>
-            </a:r>
-            <a:r>
-              <a:rPr lang="cs-CZ" dirty="0"/>
-              <a:t>() převedeme data do potřebné podoby</a:t>
-            </a:r>
-          </a:p>
-          <a:p>
-            <a:endParaRPr lang="cs-CZ" dirty="0"/>
+              <a:t>Příkladem může být správnost načtených dat, otevření souboru, přihlášení, …</a:t>
+            </a:r>
           </a:p>
         </p:txBody>
       </p:sp>
@@ -7815,7 +7752,7 @@
           <p:cNvPr id="5" name="Obrázek 4">
             <a:extLst>
               <a:ext uri="{FF2B5EF4-FFF2-40B4-BE49-F238E27FC236}">
-                <a16:creationId xmlns:a16="http://schemas.microsoft.com/office/drawing/2014/main" id="{FC0C65E4-6530-BEAA-C454-8DD5B0210996}"/>
+                <a16:creationId xmlns:a16="http://schemas.microsoft.com/office/drawing/2014/main" id="{8ACE19AB-02F9-2513-C5CF-7E6BBDC48767}"/>
               </a:ext>
             </a:extLst>
           </p:cNvPr>
@@ -7832,8 +7769,8 @@
         </p:blipFill>
         <p:spPr>
           <a:xfrm>
-            <a:off x="1097280" y="4347046"/>
-            <a:ext cx="5683898" cy="1522048"/>
+            <a:off x="1122805" y="3798871"/>
+            <a:ext cx="7705725" cy="2609850"/>
           </a:xfrm>
           <a:prstGeom prst="rect">
             <a:avLst/>
@@ -7843,7 +7780,7 @@
     </p:spTree>
     <p:extLst>
       <p:ext uri="{BB962C8B-B14F-4D97-AF65-F5344CB8AC3E}">
-        <p14:creationId xmlns:p14="http://schemas.microsoft.com/office/powerpoint/2010/main" val="2601043647"/>
+        <p14:creationId xmlns:p14="http://schemas.microsoft.com/office/powerpoint/2010/main" val="2105775913"/>
       </p:ext>
     </p:extLst>
   </p:cSld>
@@ -7856,6 +7793,14 @@
 <file path=ppt/slides/slide6.xml><?xml version="1.0" encoding="utf-8"?>
 <p:sld xmlns:a="http://schemas.openxmlformats.org/drawingml/2006/main" xmlns:r="http://schemas.openxmlformats.org/officeDocument/2006/relationships" xmlns:p="http://schemas.openxmlformats.org/presentationml/2006/main">
   <p:cSld>
+    <p:bg>
+      <p:bgPr>
+        <a:solidFill>
+          <a:schemeClr val="bg1"/>
+        </a:solidFill>
+        <a:effectLst/>
+      </p:bgPr>
+    </p:bg>
     <p:spTree>
       <p:nvGrpSpPr>
         <p:cNvPr id="1" name=""/>
@@ -7870,12 +7815,196 @@
           <a:chExt cx="0" cy="0"/>
         </a:xfrm>
       </p:grpSpPr>
+      <p:sp useBgFill="1">
+        <p:nvSpPr>
+          <p:cNvPr id="10" name="Rectangle 9">
+            <a:extLst>
+              <a:ext uri="{FF2B5EF4-FFF2-40B4-BE49-F238E27FC236}">
+                <a16:creationId xmlns:a16="http://schemas.microsoft.com/office/drawing/2014/main" id="{9F4444CE-BC8D-4D61-B303-4C05614E62AB}"/>
+              </a:ext>
+              <a:ext uri="{C183D7F6-B498-43B3-948B-1728B52AA6E4}">
+                <adec:decorative xmlns:adec="http://schemas.microsoft.com/office/drawing/2017/decorative" val="1"/>
+              </a:ext>
+            </a:extLst>
+          </p:cNvPr>
+          <p:cNvSpPr>
+            <a:spLocks noGrp="1" noRot="1" noChangeAspect="1" noMove="1" noResize="1" noEditPoints="1" noAdjustHandles="1" noChangeArrowheads="1" noChangeShapeType="1" noTextEdit="1"/>
+          </p:cNvSpPr>
+          <p:nvPr>
+            <p:extLst>
+              <p:ext uri="{386F3935-93C4-4BCD-93E2-E3B085C9AB24}">
+                <p16:designElem xmlns:p16="http://schemas.microsoft.com/office/powerpoint/2015/main" val="1"/>
+              </p:ext>
+            </p:extLst>
+          </p:nvPr>
+        </p:nvSpPr>
+        <p:spPr>
+          <a:xfrm>
+            <a:off x="0" y="0"/>
+            <a:ext cx="12192000" cy="6858000"/>
+          </a:xfrm>
+          <a:prstGeom prst="rect">
+            <a:avLst/>
+          </a:prstGeom>
+          <a:ln>
+            <a:noFill/>
+          </a:ln>
+        </p:spPr>
+        <p:style>
+          <a:lnRef idx="2">
+            <a:schemeClr val="accent1">
+              <a:shade val="50000"/>
+            </a:schemeClr>
+          </a:lnRef>
+          <a:fillRef idx="1">
+            <a:schemeClr val="accent1"/>
+          </a:fillRef>
+          <a:effectRef idx="0">
+            <a:schemeClr val="accent1"/>
+          </a:effectRef>
+          <a:fontRef idx="minor">
+            <a:schemeClr val="lt1"/>
+          </a:fontRef>
+        </p:style>
+        <p:txBody>
+          <a:bodyPr rtlCol="0" anchor="ctr"/>
+          <a:lstStyle/>
+          <a:p>
+            <a:pPr algn="ctr"/>
+            <a:endParaRPr lang="en-US"/>
+          </a:p>
+        </p:txBody>
+      </p:sp>
+      <p:sp>
+        <p:nvSpPr>
+          <p:cNvPr id="12" name="Rectangle 11">
+            <a:extLst>
+              <a:ext uri="{FF2B5EF4-FFF2-40B4-BE49-F238E27FC236}">
+                <a16:creationId xmlns:a16="http://schemas.microsoft.com/office/drawing/2014/main" id="{62423CA5-E2E1-4789-B759-9906C1C94063}"/>
+              </a:ext>
+              <a:ext uri="{C183D7F6-B498-43B3-948B-1728B52AA6E4}">
+                <adec:decorative xmlns:adec="http://schemas.microsoft.com/office/drawing/2017/decorative" val="1"/>
+              </a:ext>
+            </a:extLst>
+          </p:cNvPr>
+          <p:cNvSpPr>
+            <a:spLocks noGrp="1" noRot="1" noChangeAspect="1" noMove="1" noResize="1" noEditPoints="1" noAdjustHandles="1" noChangeArrowheads="1" noChangeShapeType="1" noTextEdit="1"/>
+          </p:cNvSpPr>
+          <p:nvPr>
+            <p:extLst>
+              <p:ext uri="{386F3935-93C4-4BCD-93E2-E3B085C9AB24}">
+                <p16:designElem xmlns:p16="http://schemas.microsoft.com/office/powerpoint/2015/main" val="1"/>
+              </p:ext>
+            </p:extLst>
+          </p:nvPr>
+        </p:nvSpPr>
+        <p:spPr>
+          <a:xfrm>
+            <a:off x="0" y="-3"/>
+            <a:ext cx="4660126" cy="6858000"/>
+          </a:xfrm>
+          <a:prstGeom prst="rect">
+            <a:avLst/>
+          </a:prstGeom>
+          <a:solidFill>
+            <a:schemeClr val="tx2"/>
+          </a:solidFill>
+          <a:ln>
+            <a:noFill/>
+          </a:ln>
+          <a:effectLst/>
+        </p:spPr>
+        <p:style>
+          <a:lnRef idx="1">
+            <a:schemeClr val="accent1"/>
+          </a:lnRef>
+          <a:fillRef idx="3">
+            <a:schemeClr val="accent1"/>
+          </a:fillRef>
+          <a:effectRef idx="2">
+            <a:schemeClr val="accent1"/>
+          </a:effectRef>
+          <a:fontRef idx="minor">
+            <a:schemeClr val="lt1"/>
+          </a:fontRef>
+        </p:style>
+        <p:txBody>
+          <a:bodyPr/>
+          <a:lstStyle/>
+          <a:p>
+            <a:endParaRPr lang="en-US"/>
+          </a:p>
+        </p:txBody>
+      </p:sp>
+      <p:sp>
+        <p:nvSpPr>
+          <p:cNvPr id="14" name="Isosceles Triangle 13">
+            <a:extLst>
+              <a:ext uri="{FF2B5EF4-FFF2-40B4-BE49-F238E27FC236}">
+                <a16:creationId xmlns:a16="http://schemas.microsoft.com/office/drawing/2014/main" id="{73772B81-181F-48B7-8826-4D9686D15DF5}"/>
+              </a:ext>
+              <a:ext uri="{C183D7F6-B498-43B3-948B-1728B52AA6E4}">
+                <adec:decorative xmlns:adec="http://schemas.microsoft.com/office/drawing/2017/decorative" val="1"/>
+              </a:ext>
+            </a:extLst>
+          </p:cNvPr>
+          <p:cNvSpPr>
+            <a:spLocks noGrp="1" noRot="1" noChangeAspect="1" noMove="1" noResize="1" noEditPoints="1" noAdjustHandles="1" noChangeArrowheads="1" noChangeShapeType="1" noTextEdit="1"/>
+          </p:cNvSpPr>
+          <p:nvPr>
+            <p:extLst>
+              <p:ext uri="{386F3935-93C4-4BCD-93E2-E3B085C9AB24}">
+                <p16:designElem xmlns:p16="http://schemas.microsoft.com/office/powerpoint/2015/main" val="1"/>
+              </p:ext>
+            </p:extLst>
+          </p:nvPr>
+        </p:nvSpPr>
+        <p:spPr>
+          <a:xfrm rot="10800000">
+            <a:off x="4660127" y="-3"/>
+            <a:ext cx="1056745" cy="6858001"/>
+          </a:xfrm>
+          <a:prstGeom prst="triangle">
+            <a:avLst>
+              <a:gd name="adj" fmla="val 100000"/>
+            </a:avLst>
+          </a:prstGeom>
+          <a:solidFill>
+            <a:schemeClr val="tx2"/>
+          </a:solidFill>
+          <a:ln>
+            <a:noFill/>
+          </a:ln>
+          <a:effectLst/>
+        </p:spPr>
+        <p:style>
+          <a:lnRef idx="1">
+            <a:schemeClr val="accent1"/>
+          </a:lnRef>
+          <a:fillRef idx="3">
+            <a:schemeClr val="accent1"/>
+          </a:fillRef>
+          <a:effectRef idx="2">
+            <a:schemeClr val="accent1"/>
+          </a:effectRef>
+          <a:fontRef idx="minor">
+            <a:schemeClr val="lt1"/>
+          </a:fontRef>
+        </p:style>
+        <p:txBody>
+          <a:bodyPr/>
+          <a:lstStyle/>
+          <a:p>
+            <a:endParaRPr lang="en-US" dirty="0"/>
+          </a:p>
+        </p:txBody>
+      </p:sp>
       <p:sp>
         <p:nvSpPr>
           <p:cNvPr id="2" name="Nadpis 1">
             <a:extLst>
               <a:ext uri="{FF2B5EF4-FFF2-40B4-BE49-F238E27FC236}">
-                <a16:creationId xmlns:a16="http://schemas.microsoft.com/office/drawing/2014/main" id="{9F32960E-616D-E8FB-75FF-06FED58381CF}"/>
+                <a16:creationId xmlns:a16="http://schemas.microsoft.com/office/drawing/2014/main" id="{C62E2D50-29E0-FBEB-844D-3BFCB1B6BB73}"/>
               </a:ext>
             </a:extLst>
           </p:cNvPr>
@@ -7886,24 +8015,26 @@
             <p:ph type="title"/>
           </p:nvPr>
         </p:nvSpPr>
-        <p:spPr/>
-        <p:txBody>
-          <a:bodyPr/>
-          <a:lstStyle/>
-          <a:p>
-            <a:r>
-              <a:rPr lang="cs-CZ" dirty="0" err="1"/>
-              <a:t>StreamReader</a:t>
-            </a:r>
-            <a:r>
-              <a:rPr lang="cs-CZ" dirty="0"/>
-              <a:t>, </a:t>
-            </a:r>
-            <a:r>
-              <a:rPr lang="cs-CZ" dirty="0" err="1"/>
-              <a:t>StreamWriter</a:t>
-            </a:r>
-            <a:endParaRPr lang="cs-CZ" dirty="0"/>
+        <p:spPr>
+          <a:xfrm>
+            <a:off x="308008" y="643467"/>
+            <a:ext cx="5025872" cy="1375608"/>
+          </a:xfrm>
+        </p:spPr>
+        <p:txBody>
+          <a:bodyPr anchor="ctr">
+            <a:normAutofit/>
+          </a:bodyPr>
+          <a:lstStyle/>
+          <a:p>
+            <a:r>
+              <a:rPr lang="cs-CZ" dirty="0">
+                <a:solidFill>
+                  <a:schemeClr val="bg1"/>
+                </a:solidFill>
+              </a:rPr>
+              <a:t>Kombinace konstrukcí</a:t>
+            </a:r>
           </a:p>
         </p:txBody>
       </p:sp>
@@ -7912,7 +8043,7 @@
           <p:cNvPr id="3" name="Zástupný obsah 2">
             <a:extLst>
               <a:ext uri="{FF2B5EF4-FFF2-40B4-BE49-F238E27FC236}">
-                <a16:creationId xmlns:a16="http://schemas.microsoft.com/office/drawing/2014/main" id="{B6ADF270-F713-0030-25AD-F0FB8EB69E17}"/>
+                <a16:creationId xmlns:a16="http://schemas.microsoft.com/office/drawing/2014/main" id="{5E9FBD5A-3989-F564-E655-3BDAE42E68C9}"/>
               </a:ext>
             </a:extLst>
           </p:cNvPr>
@@ -7923,44 +8054,57 @@
             <p:ph idx="1"/>
           </p:nvPr>
         </p:nvSpPr>
-        <p:spPr/>
-        <p:txBody>
-          <a:bodyPr/>
-          <a:lstStyle/>
-          <a:p>
-            <a:r>
-              <a:rPr lang="cs-CZ"/>
-              <a:t>Třídy umožňující přenos textových souborů</a:t>
-            </a:r>
-          </a:p>
-          <a:p>
-            <a:r>
-              <a:rPr lang="cs-CZ"/>
-              <a:t>Data zapisujeme a čteme v podobě řetězců</a:t>
-            </a:r>
-          </a:p>
-          <a:p>
-            <a:pPr lvl="1"/>
-            <a:r>
-              <a:rPr lang="cs-CZ"/>
-              <a:t>Data jsou z bloků bytů konvertovány na string</a:t>
-            </a:r>
-          </a:p>
-          <a:p>
-            <a:r>
-              <a:rPr lang="cs-CZ"/>
-              <a:t>Přístupem čtení a zápisu se přibližují práci s konzolí</a:t>
-            </a:r>
-          </a:p>
-          <a:p>
-            <a:pPr marL="0" indent="0">
-              <a:buNone/>
-            </a:pPr>
-            <a:r>
-              <a:rPr lang="cs-CZ"/>
-              <a:t> </a:t>
-            </a:r>
-            <a:endParaRPr lang="cs-CZ" dirty="0"/>
+        <p:spPr>
+          <a:xfrm>
+            <a:off x="673754" y="2160590"/>
+            <a:ext cx="3973943" cy="3440110"/>
+          </a:xfrm>
+        </p:spPr>
+        <p:txBody>
+          <a:bodyPr>
+            <a:normAutofit/>
+          </a:bodyPr>
+          <a:lstStyle/>
+          <a:p>
+            <a:r>
+              <a:rPr lang="cs-CZ">
+                <a:solidFill>
+                  <a:schemeClr val="bg1"/>
+                </a:solidFill>
+              </a:rPr>
+              <a:t>Snaha o modularizaci řešení – obvykle s využitím </a:t>
+            </a:r>
+            <a:r>
+              <a:rPr lang="cs-CZ" b="1" i="1">
+                <a:solidFill>
+                  <a:schemeClr val="bg1"/>
+                </a:solidFill>
+              </a:rPr>
+              <a:t>switch</a:t>
+            </a:r>
+            <a:r>
+              <a:rPr lang="cs-CZ">
+                <a:solidFill>
+                  <a:schemeClr val="bg1"/>
+                </a:solidFill>
+              </a:rPr>
+              <a:t> konstrukce</a:t>
+            </a:r>
+          </a:p>
+          <a:p>
+            <a:r>
+              <a:rPr lang="cs-CZ">
+                <a:solidFill>
+                  <a:schemeClr val="bg1"/>
+                </a:solidFill>
+              </a:rPr>
+              <a:t>Nejčastěji se setkáváme u návrhu ovládání konzolových aplikací</a:t>
+            </a:r>
+            <a:endParaRPr lang="cs-CZ" dirty="0">
+              <a:solidFill>
+                <a:schemeClr val="bg1"/>
+              </a:solidFill>
+            </a:endParaRPr>
           </a:p>
         </p:txBody>
       </p:sp>
@@ -7969,7 +8113,7 @@
           <p:cNvPr id="5" name="Obrázek 4">
             <a:extLst>
               <a:ext uri="{FF2B5EF4-FFF2-40B4-BE49-F238E27FC236}">
-                <a16:creationId xmlns:a16="http://schemas.microsoft.com/office/drawing/2014/main" id="{248B2E10-1B76-E19D-B812-DD5C7E0A6E39}"/>
+                <a16:creationId xmlns:a16="http://schemas.microsoft.com/office/drawing/2014/main" id="{BDD03B1C-1D73-A7EA-3AA9-A819F2443029}"/>
               </a:ext>
             </a:extLst>
           </p:cNvPr>
@@ -7986,176 +8130,83 @@
         </p:blipFill>
         <p:spPr>
           <a:xfrm>
-            <a:off x="1097280" y="3778519"/>
-            <a:ext cx="7080503" cy="1537400"/>
+            <a:off x="6475130" y="62404"/>
+            <a:ext cx="4440493" cy="6805354"/>
           </a:xfrm>
           <a:prstGeom prst="rect">
             <a:avLst/>
           </a:prstGeom>
         </p:spPr>
       </p:pic>
-      <p:pic>
-        <p:nvPicPr>
-          <p:cNvPr id="7" name="Obrázek 6">
+      <p:sp>
+        <p:nvSpPr>
+          <p:cNvPr id="16" name="Isosceles Triangle 15">
             <a:extLst>
               <a:ext uri="{FF2B5EF4-FFF2-40B4-BE49-F238E27FC236}">
-                <a16:creationId xmlns:a16="http://schemas.microsoft.com/office/drawing/2014/main" id="{D34A8A46-4D66-B63B-D948-7AAE0E6D9D15}"/>
+                <a16:creationId xmlns:a16="http://schemas.microsoft.com/office/drawing/2014/main" id="{B2205F6E-03C6-4E92-877C-E2482F6599AA}"/>
+              </a:ext>
+              <a:ext uri="{C183D7F6-B498-43B3-948B-1728B52AA6E4}">
+                <adec:decorative xmlns:adec="http://schemas.microsoft.com/office/drawing/2017/decorative" val="1"/>
               </a:ext>
             </a:extLst>
           </p:cNvPr>
-          <p:cNvPicPr>
-            <a:picLocks noChangeAspect="1"/>
-          </p:cNvPicPr>
-          <p:nvPr/>
-        </p:nvPicPr>
-        <p:blipFill>
-          <a:blip r:embed="rId3"/>
-          <a:stretch>
-            <a:fillRect/>
-          </a:stretch>
-        </p:blipFill>
+          <p:cNvSpPr>
+            <a:spLocks noGrp="1" noRot="1" noChangeAspect="1" noMove="1" noResize="1" noEditPoints="1" noAdjustHandles="1" noChangeArrowheads="1" noChangeShapeType="1" noTextEdit="1"/>
+          </p:cNvSpPr>
+          <p:nvPr>
+            <p:extLst>
+              <p:ext uri="{386F3935-93C4-4BCD-93E2-E3B085C9AB24}">
+                <p16:designElem xmlns:p16="http://schemas.microsoft.com/office/powerpoint/2015/main" val="1"/>
+              </p:ext>
+            </p:extLst>
+          </p:nvPr>
+        </p:nvSpPr>
         <p:spPr>
-          <a:xfrm>
-            <a:off x="5888145" y="1845734"/>
-            <a:ext cx="6303855" cy="1139400"/>
+          <a:xfrm flipH="1">
+            <a:off x="11755696" y="4013200"/>
+            <a:ext cx="448733" cy="2844800"/>
           </a:xfrm>
-          <a:prstGeom prst="rect">
-            <a:avLst/>
+          <a:prstGeom prst="triangle">
+            <a:avLst>
+              <a:gd name="adj" fmla="val 0"/>
+            </a:avLst>
           </a:prstGeom>
+          <a:solidFill>
+            <a:schemeClr val="accent1">
+              <a:alpha val="85000"/>
+            </a:schemeClr>
+          </a:solidFill>
+          <a:ln>
+            <a:noFill/>
+          </a:ln>
+          <a:effectLst/>
         </p:spPr>
-      </p:pic>
+        <p:style>
+          <a:lnRef idx="1">
+            <a:schemeClr val="accent1"/>
+          </a:lnRef>
+          <a:fillRef idx="3">
+            <a:schemeClr val="accent1"/>
+          </a:fillRef>
+          <a:effectRef idx="2">
+            <a:schemeClr val="accent1"/>
+          </a:effectRef>
+          <a:fontRef idx="minor">
+            <a:schemeClr val="lt1"/>
+          </a:fontRef>
+        </p:style>
+        <p:txBody>
+          <a:bodyPr/>
+          <a:lstStyle/>
+          <a:p>
+            <a:endParaRPr lang="en-US" dirty="0"/>
+          </a:p>
+        </p:txBody>
+      </p:sp>
     </p:spTree>
     <p:extLst>
       <p:ext uri="{BB962C8B-B14F-4D97-AF65-F5344CB8AC3E}">
-        <p14:creationId xmlns:p14="http://schemas.microsoft.com/office/powerpoint/2010/main" val="886776033"/>
-      </p:ext>
-    </p:extLst>
-  </p:cSld>
-  <p:clrMapOvr>
-    <a:masterClrMapping/>
-  </p:clrMapOvr>
-</p:sld>
-</file>
-
-<file path=ppt/slides/slide7.xml><?xml version="1.0" encoding="utf-8"?>
-<p:sld xmlns:a="http://schemas.openxmlformats.org/drawingml/2006/main" xmlns:r="http://schemas.openxmlformats.org/officeDocument/2006/relationships" xmlns:p="http://schemas.openxmlformats.org/presentationml/2006/main">
-  <p:cSld>
-    <p:spTree>
-      <p:nvGrpSpPr>
-        <p:cNvPr id="1" name=""/>
-        <p:cNvGrpSpPr/>
-        <p:nvPr/>
-      </p:nvGrpSpPr>
-      <p:grpSpPr>
-        <a:xfrm>
-          <a:off x="0" y="0"/>
-          <a:ext cx="0" cy="0"/>
-          <a:chOff x="0" y="0"/>
-          <a:chExt cx="0" cy="0"/>
-        </a:xfrm>
-      </p:grpSpPr>
-      <p:sp>
-        <p:nvSpPr>
-          <p:cNvPr id="2" name="Nadpis 1">
-            <a:extLst>
-              <a:ext uri="{FF2B5EF4-FFF2-40B4-BE49-F238E27FC236}">
-                <a16:creationId xmlns:a16="http://schemas.microsoft.com/office/drawing/2014/main" id="{54F5CF49-8FDF-CC3D-13A9-1D8B9620A3F3}"/>
-              </a:ext>
-            </a:extLst>
-          </p:cNvPr>
-          <p:cNvSpPr>
-            <a:spLocks noGrp="1"/>
-          </p:cNvSpPr>
-          <p:nvPr>
-            <p:ph type="title"/>
-          </p:nvPr>
-        </p:nvSpPr>
-        <p:spPr/>
-        <p:txBody>
-          <a:bodyPr/>
-          <a:lstStyle/>
-          <a:p>
-            <a:r>
-              <a:rPr lang="cs-CZ" dirty="0"/>
-              <a:t>Dialogy pro ukládání a otevírání souboru</a:t>
-            </a:r>
-          </a:p>
-        </p:txBody>
-      </p:sp>
-      <p:sp>
-        <p:nvSpPr>
-          <p:cNvPr id="3" name="Zástupný obsah 2">
-            <a:extLst>
-              <a:ext uri="{FF2B5EF4-FFF2-40B4-BE49-F238E27FC236}">
-                <a16:creationId xmlns:a16="http://schemas.microsoft.com/office/drawing/2014/main" id="{90F79178-6E08-C1EC-22C6-FC3FA155C447}"/>
-              </a:ext>
-            </a:extLst>
-          </p:cNvPr>
-          <p:cNvSpPr>
-            <a:spLocks noGrp="1"/>
-          </p:cNvSpPr>
-          <p:nvPr>
-            <p:ph idx="1"/>
-          </p:nvPr>
-        </p:nvSpPr>
-        <p:spPr/>
-        <p:txBody>
-          <a:bodyPr/>
-          <a:lstStyle/>
-          <a:p>
-            <a:r>
-              <a:rPr lang="cs-CZ" b="1" dirty="0" err="1"/>
-              <a:t>OpenFileDialog</a:t>
-            </a:r>
-            <a:r>
-              <a:rPr lang="cs-CZ" b="1" dirty="0"/>
-              <a:t> </a:t>
-            </a:r>
-          </a:p>
-          <a:p>
-            <a:pPr lvl="1"/>
-            <a:r>
-              <a:rPr lang="cs-CZ" dirty="0"/>
-              <a:t>Nativní okno pro výběr souboru, lze nastavit, které typy souboru se mají zobrazit</a:t>
-            </a:r>
-          </a:p>
-          <a:p>
-            <a:r>
-              <a:rPr lang="cs-CZ" b="1" dirty="0" err="1"/>
-              <a:t>SaveFileDialog</a:t>
-            </a:r>
-            <a:endParaRPr lang="cs-CZ" b="1" dirty="0"/>
-          </a:p>
-          <a:p>
-            <a:pPr lvl="1"/>
-            <a:r>
-              <a:rPr lang="cs-CZ" dirty="0"/>
-              <a:t>Nativní okno pro výběr adresáře, kde bude soubor uložen</a:t>
-            </a:r>
-          </a:p>
-          <a:p>
-            <a:r>
-              <a:rPr lang="cs-CZ" dirty="0"/>
-              <a:t>Při práci s modálními dialogovými okny nás zajímá výsledek po zavření</a:t>
-            </a:r>
-          </a:p>
-          <a:p>
-            <a:r>
-              <a:rPr lang="cs-CZ" dirty="0"/>
-              <a:t>Výčtový typ </a:t>
-            </a:r>
-            <a:r>
-              <a:rPr lang="cs-CZ" b="1" dirty="0" err="1"/>
-              <a:t>DialogResult</a:t>
-            </a:r>
-            <a:endParaRPr lang="cs-CZ" b="1" dirty="0"/>
-          </a:p>
-        </p:txBody>
-      </p:sp>
-    </p:spTree>
-    <p:extLst>
-      <p:ext uri="{BB962C8B-B14F-4D97-AF65-F5344CB8AC3E}">
-        <p14:creationId xmlns:p14="http://schemas.microsoft.com/office/powerpoint/2010/main" val="2378399360"/>
+        <p14:creationId xmlns:p14="http://schemas.microsoft.com/office/powerpoint/2010/main" val="3147800519"/>
       </p:ext>
     </p:extLst>
   </p:cSld>
